--- a/Prodigo.pptx
+++ b/Prodigo.pptx
@@ -2816,16 +2816,24 @@
         <a:gradFill flip="none" rotWithShape="1">
           <a:gsLst>
             <a:gs pos="6000">
-              <a:srgbClr val="202040"/>
+              <a:srgbClr val="202040">
+                <a:alpha val="68000"/>
+              </a:srgbClr>
             </a:gs>
-            <a:gs pos="100000">
-              <a:srgbClr val="FFDB69"/>
+            <a:gs pos="94000">
+              <a:srgbClr val="FFBD69">
+                <a:alpha val="75000"/>
+              </a:srgbClr>
             </a:gs>
             <a:gs pos="91000">
-              <a:srgbClr val="FFDB69"/>
+              <a:srgbClr val="FFBD69">
+                <a:alpha val="82000"/>
+              </a:srgbClr>
             </a:gs>
             <a:gs pos="96000">
-              <a:srgbClr val="FFDB69"/>
+              <a:srgbClr val="FFBD69">
+                <a:alpha val="77000"/>
+              </a:srgbClr>
             </a:gs>
           </a:gsLst>
           <a:lin ang="2400000" scaled="0"/>
